--- a/Presentation/project_pres2.pptx
+++ b/Presentation/project_pres2.pptx
@@ -13738,7 +13738,7 @@
           <a:p>
             <a:fld id="{81C13A8A-ED8E-1544-9DFD-6B9F17FB444D}" type="datetimeFigureOut">
               <a:rPr lang="en-MX" smtClean="0"/>
-              <a:t>21/03/21</a:t>
+              <a:t>23/03/21</a:t>
             </a:fld>
             <a:endParaRPr lang="en-MX"/>
           </a:p>
@@ -14052,7 +14052,7 @@
           <a:p>
             <a:r>
               <a:rPr lang="en-MX" dirty="0"/>
-              <a:t>Good afternoon, my teammate, Bohan and me, Vicens,  will be presenting our project “Canda in the 21st century: a macroeconomic analysis by province and terrtories.</a:t>
+              <a:t>Good afternoon, my teammate, Bohan and me, Vicens, will be presenting our project “Canda in the 21st century: a macroeconomic analysis by province and terrtories.</a:t>
             </a:r>
           </a:p>
         </p:txBody>
@@ -14291,7 +14291,7 @@
                 <a:ea typeface="+mn-ea"/>
                 <a:cs typeface="+mn-cs"/>
               </a:rPr>
-              <a:t>From our visualization we can begin to look at the reasons why the cycles took place, which could be government policy, consumer behavior, or international phenomena among other things. Of course, these figures can be compared across economies as well, and we could determine which foreign countries are economically strong or weak.</a:t>
+              <a:t>From our visualization we can begin to look at the reasons why the cycles took place, which could be government policy, consumer behavior, or international phenomena, amongst other things. Of course, these figures can be compared across economies as well, and we could determine which foreign countries are economically strong or weak.</a:t>
             </a:r>
           </a:p>
           <a:p>
@@ -14350,17 +14350,8 @@
                 <a:ea typeface="+mn-ea"/>
                 <a:cs typeface="+mn-cs"/>
               </a:rPr>
-              <a:t>Based on what they learn from the past, analysts could also begin to forecast the future state of the economy. However, it is important to remember that what determines human behavior and ultimately the economy can never be forecasted completely.</a:t>
+              <a:t>Also.</a:t>
             </a:r>
-            <a:endParaRPr lang="en-MX" sz="1200" kern="1200" dirty="0">
-              <a:solidFill>
-                <a:schemeClr val="tx1"/>
-              </a:solidFill>
-              <a:effectLst/>
-              <a:latin typeface="+mn-lt"/>
-              <a:ea typeface="+mn-ea"/>
-              <a:cs typeface="+mn-cs"/>
-            </a:endParaRPr>
           </a:p>
           <a:p>
             <a:pPr marL="0" marR="0" lvl="0" indent="0" algn="l" defTabSz="914400" rtl="0" eaLnBrk="1" fontAlgn="auto" latinLnBrk="0" hangingPunct="1">
@@ -14380,34 +14371,18 @@
               <a:tabLst/>
               <a:defRPr/>
             </a:pPr>
-            <a:endParaRPr lang="en-MX" sz="1200" kern="1200" dirty="0">
-              <a:solidFill>
-                <a:schemeClr val="tx1"/>
-              </a:solidFill>
-              <a:effectLst/>
-              <a:latin typeface="+mn-lt"/>
-              <a:ea typeface="+mn-ea"/>
-              <a:cs typeface="+mn-cs"/>
-            </a:endParaRPr>
-          </a:p>
-          <a:p>
-            <a:pPr marL="0" marR="0" lvl="0" indent="0" algn="l" defTabSz="914400" rtl="0" eaLnBrk="1" fontAlgn="auto" latinLnBrk="0" hangingPunct="1">
-              <a:lnSpc>
-                <a:spcPct val="100000"/>
-              </a:lnSpc>
-              <a:spcBef>
-                <a:spcPts val="0"/>
-              </a:spcBef>
-              <a:spcAft>
-                <a:spcPts val="0"/>
-              </a:spcAft>
-              <a:buClrTx/>
-              <a:buSzTx/>
-              <a:buFontTx/>
-              <a:buNone/>
-              <a:tabLst/>
-              <a:defRPr/>
-            </a:pPr>
+            <a:r>
+              <a:rPr lang="en-US" sz="1200" kern="1200" dirty="0">
+                <a:solidFill>
+                  <a:schemeClr val="tx1"/>
+                </a:solidFill>
+                <a:effectLst/>
+                <a:latin typeface="+mn-lt"/>
+                <a:ea typeface="+mn-ea"/>
+                <a:cs typeface="+mn-cs"/>
+              </a:rPr>
+              <a:t>, we could use these figures to forecast the future state of the economy. </a:t>
+            </a:r>
             <a:endParaRPr lang="en-MX" b="0" dirty="0"/>
           </a:p>
           <a:p>
@@ -14764,7 +14739,7 @@
                 <a:ea typeface="+mn-ea"/>
                 <a:cs typeface="+mn-cs"/>
               </a:rPr>
-              <a:t>Our project provides detailed information about some of the main aspects of the economy in Canada’s national accounts.</a:t>
+              <a:t>Our project provides detailed information about some of the main aspects of the economy, in Canada’s national accounts.</a:t>
             </a:r>
             <a:endParaRPr lang="en-MX" sz="1200" kern="1200" dirty="0">
               <a:solidFill>
@@ -15090,7 +15065,7 @@
                 <a:ea typeface="+mn-ea"/>
                 <a:cs typeface="+mn-cs"/>
               </a:rPr>
-              <a:t>Economists and other disciplines also rely on these statistics to help inform their research, and much more.</a:t>
+              <a:t>Economists and other disciplines, also rely on these statistics to help inform their research, and much more.</a:t>
             </a:r>
             <a:endParaRPr lang="en-MX" sz="1200" kern="1200" dirty="0">
               <a:solidFill>
@@ -15509,7 +15484,7 @@
             </a:pPr>
             <a:r>
               <a:rPr lang="en-MX" dirty="0"/>
-              <a:t>The datasets collected where all in CSV format so we used python and pandas for the exploratory data analysis.</a:t>
+              <a:t>The datasets collected were all in CSV format so we used python and pandas for the exploratory data analysis.</a:t>
             </a:r>
           </a:p>
           <a:p>
@@ -15895,7 +15870,7 @@
                 <a:ea typeface="+mn-ea"/>
                 <a:cs typeface="+mn-cs"/>
               </a:rPr>
-              <a:t>Macroeconomic analysis broadly focuses on three aspects: national output (measured by GDP), unemployment, and inflation.</a:t>
+              <a:t>Macroeconomic analysis broadly focuses on three aspects: national output. measured by GDP, unemployment, and inflation.</a:t>
             </a:r>
           </a:p>
           <a:p>
@@ -16019,7 +15994,66 @@
                 <a:ea typeface="+mn-ea"/>
                 <a:cs typeface="+mn-cs"/>
               </a:rPr>
-              <a:t>The unemployment rate indicates how many people from the labour force are unable to find work, and the inflation rate is a measure of the rate at which prices rise. </a:t>
+              <a:t>The unemployment rate indicates how many people from the labour force are unable to find work.</a:t>
+            </a:r>
+          </a:p>
+          <a:p>
+            <a:pPr marL="0" marR="0" lvl="0" indent="0" algn="l" defTabSz="914400" rtl="0" eaLnBrk="1" fontAlgn="auto" latinLnBrk="0" hangingPunct="1">
+              <a:lnSpc>
+                <a:spcPct val="100000"/>
+              </a:lnSpc>
+              <a:spcBef>
+                <a:spcPts val="0"/>
+              </a:spcBef>
+              <a:spcAft>
+                <a:spcPts val="0"/>
+              </a:spcAft>
+              <a:buClrTx/>
+              <a:buSzTx/>
+              <a:buFontTx/>
+              <a:buNone/>
+              <a:tabLst/>
+              <a:defRPr/>
+            </a:pPr>
+            <a:endParaRPr lang="en-US" sz="1200" kern="1200" dirty="0">
+              <a:solidFill>
+                <a:schemeClr val="tx1"/>
+              </a:solidFill>
+              <a:effectLst/>
+              <a:latin typeface="+mn-lt"/>
+              <a:ea typeface="+mn-ea"/>
+              <a:cs typeface="+mn-cs"/>
+            </a:endParaRPr>
+          </a:p>
+          <a:p>
+            <a:pPr marL="0" marR="0" lvl="0" indent="0" algn="l" defTabSz="914400" rtl="0" eaLnBrk="1" fontAlgn="auto" latinLnBrk="0" hangingPunct="1">
+              <a:lnSpc>
+                <a:spcPct val="100000"/>
+              </a:lnSpc>
+              <a:spcBef>
+                <a:spcPts val="0"/>
+              </a:spcBef>
+              <a:spcAft>
+                <a:spcPts val="0"/>
+              </a:spcAft>
+              <a:buClrTx/>
+              <a:buSzTx/>
+              <a:buFontTx/>
+              <a:buNone/>
+              <a:tabLst/>
+              <a:defRPr/>
+            </a:pPr>
+            <a:r>
+              <a:rPr lang="en-US" sz="1200" kern="1200" dirty="0">
+                <a:solidFill>
+                  <a:schemeClr val="tx1"/>
+                </a:solidFill>
+                <a:effectLst/>
+                <a:latin typeface="+mn-lt"/>
+                <a:ea typeface="+mn-ea"/>
+                <a:cs typeface="+mn-cs"/>
+              </a:rPr>
+              <a:t>And the inflation rate is a measure of the rate at which prices rise. </a:t>
             </a:r>
             <a:endParaRPr lang="en-MX" sz="1200" kern="1200" dirty="0">
               <a:solidFill>
@@ -16301,7 +16335,7 @@
           <a:p>
             <a:fld id="{724E30FC-8D01-9A4A-BC5B-3622C1A42467}" type="datetime1">
               <a:rPr lang="en-US" smtClean="0"/>
-              <a:t>3/21/21</a:t>
+              <a:t>3/23/21</a:t>
             </a:fld>
             <a:endParaRPr lang="en-MX"/>
           </a:p>
@@ -16501,7 +16535,7 @@
           <a:p>
             <a:fld id="{913AB22F-CEDF-D542-A0EF-3C91A08999D0}" type="datetime1">
               <a:rPr lang="en-US" smtClean="0"/>
-              <a:t>3/21/21</a:t>
+              <a:t>3/23/21</a:t>
             </a:fld>
             <a:endParaRPr lang="en-MX"/>
           </a:p>
@@ -16711,7 +16745,7 @@
           <a:p>
             <a:fld id="{3775940A-DFAD-B645-8B68-B88ABD4BB407}" type="datetime1">
               <a:rPr lang="en-US" smtClean="0"/>
-              <a:t>3/21/21</a:t>
+              <a:t>3/23/21</a:t>
             </a:fld>
             <a:endParaRPr lang="en-MX"/>
           </a:p>
@@ -16911,7 +16945,7 @@
           <a:p>
             <a:fld id="{21FC7D3B-567A-A94E-9F36-C6F3D16BD58E}" type="datetime1">
               <a:rPr lang="en-US" smtClean="0"/>
-              <a:t>3/21/21</a:t>
+              <a:t>3/23/21</a:t>
             </a:fld>
             <a:endParaRPr lang="en-MX"/>
           </a:p>
@@ -17187,7 +17221,7 @@
           <a:p>
             <a:fld id="{783034FF-2480-984D-9B41-E506C37EA3E9}" type="datetime1">
               <a:rPr lang="en-US" smtClean="0"/>
-              <a:t>3/21/21</a:t>
+              <a:t>3/23/21</a:t>
             </a:fld>
             <a:endParaRPr lang="en-MX"/>
           </a:p>
@@ -17455,7 +17489,7 @@
           <a:p>
             <a:fld id="{D3F9E2C1-37BC-404C-8D21-CCA06B6CC7C6}" type="datetime1">
               <a:rPr lang="en-US" smtClean="0"/>
-              <a:t>3/21/21</a:t>
+              <a:t>3/23/21</a:t>
             </a:fld>
             <a:endParaRPr lang="en-MX"/>
           </a:p>
@@ -17870,7 +17904,7 @@
           <a:p>
             <a:fld id="{20E21F68-C48F-0140-98F2-4090E7733A19}" type="datetime1">
               <a:rPr lang="en-US" smtClean="0"/>
-              <a:t>3/21/21</a:t>
+              <a:t>3/23/21</a:t>
             </a:fld>
             <a:endParaRPr lang="en-MX"/>
           </a:p>
@@ -18012,7 +18046,7 @@
           <a:p>
             <a:fld id="{6E31EDA0-CFB5-524B-845E-5B71B7929E00}" type="datetime1">
               <a:rPr lang="en-US" smtClean="0"/>
-              <a:t>3/21/21</a:t>
+              <a:t>3/23/21</a:t>
             </a:fld>
             <a:endParaRPr lang="en-MX"/>
           </a:p>
@@ -18125,7 +18159,7 @@
           <a:p>
             <a:fld id="{06DA1117-638C-8144-92D0-56572C583644}" type="datetime1">
               <a:rPr lang="en-US" smtClean="0"/>
-              <a:t>3/21/21</a:t>
+              <a:t>3/23/21</a:t>
             </a:fld>
             <a:endParaRPr lang="en-MX"/>
           </a:p>
@@ -18438,7 +18472,7 @@
           <a:p>
             <a:fld id="{B78C181A-BECE-DB4A-BF59-73288B1B634C}" type="datetime1">
               <a:rPr lang="en-US" smtClean="0"/>
-              <a:t>3/21/21</a:t>
+              <a:t>3/23/21</a:t>
             </a:fld>
             <a:endParaRPr lang="en-MX"/>
           </a:p>
@@ -18727,7 +18761,7 @@
           <a:p>
             <a:fld id="{53204ABA-5A1F-5140-9357-56F945C4E376}" type="datetime1">
               <a:rPr lang="en-US" smtClean="0"/>
-              <a:t>3/21/21</a:t>
+              <a:t>3/23/21</a:t>
             </a:fld>
             <a:endParaRPr lang="en-MX"/>
           </a:p>
@@ -18970,7 +19004,7 @@
           <a:p>
             <a:fld id="{113641FA-B4D5-F147-998F-FB190A11E7B3}" type="datetime1">
               <a:rPr lang="en-US" smtClean="0"/>
-              <a:t>3/21/21</a:t>
+              <a:t>3/23/21</a:t>
             </a:fld>
             <a:endParaRPr lang="en-MX"/>
           </a:p>
@@ -23316,11 +23350,21 @@
             </a:r>
             <a:r>
               <a:rPr lang="en-US" b="1" dirty="0"/>
-              <a:t>make better decisions</a:t>
+              <a:t>make better decisions.</a:t>
+            </a:r>
+          </a:p>
+          <a:p>
+            <a:r>
+              <a:rPr lang="en-US" dirty="0"/>
+              <a:t>For </a:t>
+            </a:r>
+            <a:r>
+              <a:rPr lang="en-US" b="1" dirty="0"/>
+              <a:t>policy analysis </a:t>
             </a:r>
             <a:r>
               <a:rPr lang="en-US" dirty="0"/>
-              <a:t>, and for policy analysis and for </a:t>
+              <a:t>and for </a:t>
             </a:r>
             <a:r>
               <a:rPr lang="en-US" b="1" dirty="0"/>
@@ -23338,9 +23382,6 @@
               <a:rPr lang="en-US" dirty="0"/>
               <a:t> by federal and provincial government officials, businesspeople, academics, economists and international organizations.</a:t>
             </a:r>
-            <a:endParaRPr lang="en-MX" dirty="0"/>
-          </a:p>
-          <a:p>
             <a:endParaRPr lang="en-MX" dirty="0"/>
           </a:p>
         </p:txBody>
